--- a/report/2020前期/2020_1st_sugiyama.pptx
+++ b/report/2020前期/2020_1st_sugiyama.pptx
@@ -6,10 +6,10 @@
     <p:sldMasterId id="2147483714" r:id="rId2"/>
   </p:sldMasterIdLst>
   <p:notesMasterIdLst>
-    <p:notesMasterId r:id="rId67"/>
+    <p:notesMasterId r:id="rId68"/>
   </p:notesMasterIdLst>
   <p:handoutMasterIdLst>
-    <p:handoutMasterId r:id="rId68"/>
+    <p:handoutMasterId r:id="rId69"/>
   </p:handoutMasterIdLst>
   <p:sldIdLst>
     <p:sldId id="256" r:id="rId3"/>
@@ -76,6 +76,7 @@
     <p:sldId id="265" r:id="rId64"/>
     <p:sldId id="266" r:id="rId65"/>
     <p:sldId id="267" r:id="rId66"/>
+    <p:sldId id="332" r:id="rId67"/>
   </p:sldIdLst>
   <p:sldSz cx="9144000" cy="6858000" type="screen4x3"/>
   <p:notesSz cx="6858000" cy="9144000"/>
@@ -271,6 +272,7 @@
             <p14:sldId id="265"/>
             <p14:sldId id="266"/>
             <p14:sldId id="267"/>
+            <p14:sldId id="332"/>
           </p14:sldIdLst>
         </p14:section>
       </p14:sectionLst>
@@ -2019,7 +2021,7 @@
           <a:p>
             <a:r>
               <a:rPr kumimoji="1" lang="ja-JP" altLang="en-US" dirty="0"/>
-              <a:t>このように深層ニューラルネットワークは層が深いため</a:t>
+              <a:t>その名の通り深層ニューラルネットワークは層が深いため</a:t>
             </a:r>
             <a:r>
               <a:rPr kumimoji="1" lang="en-US" altLang="ja-JP" dirty="0"/>
@@ -3022,15 +3024,30 @@
           <a:p>
             <a:r>
               <a:rPr kumimoji="1" lang="ja-JP" altLang="en-US" dirty="0"/>
-              <a:t>１０クラス分類では結合モデルが</a:t>
+              <a:t>７クラス分類器を</a:t>
             </a:r>
             <a:r>
               <a:rPr kumimoji="1" lang="en-US" altLang="ja-JP" dirty="0"/>
-              <a:t>86.7%</a:t>
+              <a:t>3</a:t>
             </a:r>
             <a:r>
               <a:rPr kumimoji="1" lang="ja-JP" altLang="en-US" dirty="0"/>
-              <a:t>となり、単体で推定した場合や７クラス分類の平均精度を上回る結果となりました</a:t>
+              <a:t>つ用意しました。</a:t>
+            </a:r>
+            <a:endParaRPr kumimoji="1" lang="en-US" altLang="ja-JP" dirty="0"/>
+          </a:p>
+          <a:p>
+            <a:r>
+              <a:rPr kumimoji="1" lang="ja-JP" altLang="en-US" dirty="0"/>
+              <a:t>この表のように、各クラスは</a:t>
+            </a:r>
+            <a:r>
+              <a:rPr kumimoji="1" lang="en-US" altLang="ja-JP" dirty="0"/>
+              <a:t>2</a:t>
+            </a:r>
+            <a:r>
+              <a:rPr kumimoji="1" lang="ja-JP" altLang="en-US" dirty="0"/>
+              <a:t>つ以上の分類器で推定するようにクラスを割り振りました。</a:t>
             </a:r>
           </a:p>
         </p:txBody>
@@ -3052,7 +3069,7 @@
           <a:p>
             <a:fld id="{BDB7D255-45B2-4E15-BC9C-A5056AB724DD}" type="slidenum">
               <a:rPr kumimoji="1" lang="ja-JP" altLang="en-US" smtClean="0"/>
-              <a:t>56</a:t>
+              <a:t>53</a:t>
             </a:fld>
             <a:endParaRPr kumimoji="1" lang="ja-JP" altLang="en-US" dirty="0"/>
           </a:p>
@@ -3061,7 +3078,7 @@
     </p:spTree>
     <p:extLst>
       <p:ext uri="{BB962C8B-B14F-4D97-AF65-F5344CB8AC3E}">
-        <p14:creationId xmlns:p14="http://schemas.microsoft.com/office/powerpoint/2010/main" val="1930068256"/>
+        <p14:creationId xmlns:p14="http://schemas.microsoft.com/office/powerpoint/2010/main" val="2761649776"/>
       </p:ext>
     </p:extLst>
   </p:cSld>
@@ -3202,7 +3219,18 @@
           <a:bodyPr/>
           <a:lstStyle/>
           <a:p>
-            <a:endParaRPr kumimoji="1" lang="en-US" altLang="ja-JP" dirty="0"/>
+            <a:r>
+              <a:rPr kumimoji="1" lang="ja-JP" altLang="en-US" dirty="0"/>
+              <a:t>１０クラス分類では結合モデルが</a:t>
+            </a:r>
+            <a:r>
+              <a:rPr kumimoji="1" lang="en-US" altLang="ja-JP" dirty="0"/>
+              <a:t>86.7%</a:t>
+            </a:r>
+            <a:r>
+              <a:rPr kumimoji="1" lang="ja-JP" altLang="en-US" dirty="0"/>
+              <a:t>となり、単体で推定した場合や７クラス分類の平均精度を上回る結果となりました</a:t>
+            </a:r>
           </a:p>
         </p:txBody>
       </p:sp>
@@ -3223,7 +3251,7 @@
           <a:p>
             <a:fld id="{BDB7D255-45B2-4E15-BC9C-A5056AB724DD}" type="slidenum">
               <a:rPr kumimoji="1" lang="ja-JP" altLang="en-US" smtClean="0"/>
-              <a:t>57</a:t>
+              <a:t>56</a:t>
             </a:fld>
             <a:endParaRPr kumimoji="1" lang="ja-JP" altLang="en-US" dirty="0"/>
           </a:p>
@@ -3232,7 +3260,7 @@
     </p:spTree>
     <p:extLst>
       <p:ext uri="{BB962C8B-B14F-4D97-AF65-F5344CB8AC3E}">
-        <p14:creationId xmlns:p14="http://schemas.microsoft.com/office/powerpoint/2010/main" val="3267930840"/>
+        <p14:creationId xmlns:p14="http://schemas.microsoft.com/office/powerpoint/2010/main" val="1930068256"/>
       </p:ext>
     </p:extLst>
   </p:cSld>
@@ -3286,7 +3314,7 @@
           <a:bodyPr/>
           <a:lstStyle/>
           <a:p>
-            <a:endParaRPr kumimoji="1" lang="ja-JP" altLang="en-US" dirty="0"/>
+            <a:endParaRPr kumimoji="1" lang="en-US" altLang="ja-JP" dirty="0"/>
           </a:p>
         </p:txBody>
       </p:sp>
@@ -3307,7 +3335,7 @@
           <a:p>
             <a:fld id="{BDB7D255-45B2-4E15-BC9C-A5056AB724DD}" type="slidenum">
               <a:rPr kumimoji="1" lang="ja-JP" altLang="en-US" smtClean="0"/>
-              <a:t>58</a:t>
+              <a:t>57</a:t>
             </a:fld>
             <a:endParaRPr kumimoji="1" lang="ja-JP" altLang="en-US" dirty="0"/>
           </a:p>
@@ -3316,7 +3344,7 @@
     </p:spTree>
     <p:extLst>
       <p:ext uri="{BB962C8B-B14F-4D97-AF65-F5344CB8AC3E}">
-        <p14:creationId xmlns:p14="http://schemas.microsoft.com/office/powerpoint/2010/main" val="1353697879"/>
+        <p14:creationId xmlns:p14="http://schemas.microsoft.com/office/powerpoint/2010/main" val="3267930840"/>
       </p:ext>
     </p:extLst>
   </p:cSld>
@@ -3391,7 +3419,7 @@
           <a:p>
             <a:fld id="{BDB7D255-45B2-4E15-BC9C-A5056AB724DD}" type="slidenum">
               <a:rPr kumimoji="1" lang="ja-JP" altLang="en-US" smtClean="0"/>
-              <a:t>59</a:t>
+              <a:t>58</a:t>
             </a:fld>
             <a:endParaRPr kumimoji="1" lang="ja-JP" altLang="en-US" dirty="0"/>
           </a:p>
@@ -3400,7 +3428,7 @@
     </p:spTree>
     <p:extLst>
       <p:ext uri="{BB962C8B-B14F-4D97-AF65-F5344CB8AC3E}">
-        <p14:creationId xmlns:p14="http://schemas.microsoft.com/office/powerpoint/2010/main" val="4092436703"/>
+        <p14:creationId xmlns:p14="http://schemas.microsoft.com/office/powerpoint/2010/main" val="1353697879"/>
       </p:ext>
     </p:extLst>
   </p:cSld>
@@ -3454,23 +3482,7 @@
           <a:bodyPr/>
           <a:lstStyle/>
           <a:p>
-            <a:r>
-              <a:rPr kumimoji="1" lang="ja-JP" altLang="en-US" dirty="0"/>
-              <a:t>組合せをバイナリ表現し進化型計算で最適な組合せを見つけるなど</a:t>
-            </a:r>
-            <a:r>
-              <a:rPr kumimoji="1" lang="en-US" altLang="ja-JP" dirty="0"/>
-              <a:t>AutoML</a:t>
-            </a:r>
-            <a:r>
-              <a:rPr kumimoji="1" lang="ja-JP" altLang="en-US" dirty="0" err="1"/>
-              <a:t>への</a:t>
-            </a:r>
-            <a:r>
-              <a:rPr kumimoji="1" lang="ja-JP" altLang="en-US" dirty="0"/>
-              <a:t>応用が考えられます</a:t>
-            </a:r>
-            <a:endParaRPr kumimoji="1" lang="en-US" altLang="ja-JP" dirty="0"/>
+            <a:endParaRPr kumimoji="1" lang="ja-JP" altLang="en-US" dirty="0"/>
           </a:p>
         </p:txBody>
       </p:sp>
@@ -3491,7 +3503,7 @@
           <a:p>
             <a:fld id="{BDB7D255-45B2-4E15-BC9C-A5056AB724DD}" type="slidenum">
               <a:rPr kumimoji="1" lang="ja-JP" altLang="en-US" smtClean="0"/>
-              <a:t>60</a:t>
+              <a:t>59</a:t>
             </a:fld>
             <a:endParaRPr kumimoji="1" lang="ja-JP" altLang="en-US" dirty="0"/>
           </a:p>
@@ -3500,7 +3512,7 @@
     </p:spTree>
     <p:extLst>
       <p:ext uri="{BB962C8B-B14F-4D97-AF65-F5344CB8AC3E}">
-        <p14:creationId xmlns:p14="http://schemas.microsoft.com/office/powerpoint/2010/main" val="49162071"/>
+        <p14:creationId xmlns:p14="http://schemas.microsoft.com/office/powerpoint/2010/main" val="4092436703"/>
       </p:ext>
     </p:extLst>
   </p:cSld>
@@ -3555,6 +3567,106 @@
           <a:lstStyle/>
           <a:p>
             <a:r>
+              <a:rPr kumimoji="1" lang="ja-JP" altLang="en-US" dirty="0"/>
+              <a:t>組合せをバイナリ表現し進化型計算で最適な組合せを見つけるなど</a:t>
+            </a:r>
+            <a:r>
+              <a:rPr kumimoji="1" lang="en-US" altLang="ja-JP" dirty="0"/>
+              <a:t>AutoML</a:t>
+            </a:r>
+            <a:r>
+              <a:rPr kumimoji="1" lang="ja-JP" altLang="en-US" dirty="0" err="1"/>
+              <a:t>への</a:t>
+            </a:r>
+            <a:r>
+              <a:rPr kumimoji="1" lang="ja-JP" altLang="en-US" dirty="0"/>
+              <a:t>応用が考えられます</a:t>
+            </a:r>
+            <a:endParaRPr kumimoji="1" lang="en-US" altLang="ja-JP" dirty="0"/>
+          </a:p>
+        </p:txBody>
+      </p:sp>
+      <p:sp>
+        <p:nvSpPr>
+          <p:cNvPr id="4" name="スライド番号プレースホルダー 3"/>
+          <p:cNvSpPr>
+            <a:spLocks noGrp="1"/>
+          </p:cNvSpPr>
+          <p:nvPr>
+            <p:ph type="sldNum" sz="quarter" idx="5"/>
+          </p:nvPr>
+        </p:nvSpPr>
+        <p:spPr/>
+        <p:txBody>
+          <a:bodyPr/>
+          <a:lstStyle/>
+          <a:p>
+            <a:fld id="{BDB7D255-45B2-4E15-BC9C-A5056AB724DD}" type="slidenum">
+              <a:rPr kumimoji="1" lang="ja-JP" altLang="en-US" smtClean="0"/>
+              <a:t>60</a:t>
+            </a:fld>
+            <a:endParaRPr kumimoji="1" lang="ja-JP" altLang="en-US" dirty="0"/>
+          </a:p>
+        </p:txBody>
+      </p:sp>
+    </p:spTree>
+    <p:extLst>
+      <p:ext uri="{BB962C8B-B14F-4D97-AF65-F5344CB8AC3E}">
+        <p14:creationId xmlns:p14="http://schemas.microsoft.com/office/powerpoint/2010/main" val="49162071"/>
+      </p:ext>
+    </p:extLst>
+  </p:cSld>
+  <p:clrMapOvr>
+    <a:masterClrMapping/>
+  </p:clrMapOvr>
+</p:notes>
+</file>
+
+<file path=ppt/notesSlides/notesSlide35.xml><?xml version="1.0" encoding="utf-8"?>
+<p:notes xmlns:a="http://schemas.openxmlformats.org/drawingml/2006/main" xmlns:r="http://schemas.openxmlformats.org/officeDocument/2006/relationships" xmlns:p="http://schemas.openxmlformats.org/presentationml/2006/main">
+  <p:cSld>
+    <p:spTree>
+      <p:nvGrpSpPr>
+        <p:cNvPr id="1" name=""/>
+        <p:cNvGrpSpPr/>
+        <p:nvPr/>
+      </p:nvGrpSpPr>
+      <p:grpSpPr>
+        <a:xfrm>
+          <a:off x="0" y="0"/>
+          <a:ext cx="0" cy="0"/>
+          <a:chOff x="0" y="0"/>
+          <a:chExt cx="0" cy="0"/>
+        </a:xfrm>
+      </p:grpSpPr>
+      <p:sp>
+        <p:nvSpPr>
+          <p:cNvPr id="2" name="スライド イメージ プレースホルダー 1"/>
+          <p:cNvSpPr>
+            <a:spLocks noGrp="1" noRot="1" noChangeAspect="1"/>
+          </p:cNvSpPr>
+          <p:nvPr>
+            <p:ph type="sldImg"/>
+          </p:nvPr>
+        </p:nvSpPr>
+        <p:spPr/>
+      </p:sp>
+      <p:sp>
+        <p:nvSpPr>
+          <p:cNvPr id="3" name="ノート プレースホルダー 2"/>
+          <p:cNvSpPr>
+            <a:spLocks noGrp="1"/>
+          </p:cNvSpPr>
+          <p:nvPr>
+            <p:ph type="body" idx="1"/>
+          </p:nvPr>
+        </p:nvSpPr>
+        <p:spPr/>
+        <p:txBody>
+          <a:bodyPr/>
+          <a:lstStyle/>
+          <a:p>
+            <a:r>
               <a:rPr kumimoji="1" lang="en-US" altLang="ja-JP" dirty="0"/>
               <a:t>AutoML</a:t>
             </a:r>
@@ -3624,7 +3736,7 @@
 </p:notes>
 </file>
 
-<file path=ppt/notesSlides/notesSlide35.xml><?xml version="1.0" encoding="utf-8"?>
+<file path=ppt/notesSlides/notesSlide36.xml><?xml version="1.0" encoding="utf-8"?>
 <p:notes xmlns:a="http://schemas.openxmlformats.org/drawingml/2006/main" xmlns:r="http://schemas.openxmlformats.org/officeDocument/2006/relationships" xmlns:p="http://schemas.openxmlformats.org/presentationml/2006/main">
   <p:cSld>
     <p:spTree>
@@ -11009,7 +11121,7 @@
                   <a:srgbClr val="FFFFFF"/>
                 </a:solidFill>
               </a:rPr>
-              <a:t>進化的な深層学習の</a:t>
+              <a:t>進化的手法に基づく</a:t>
             </a:r>
             <a:br>
               <a:rPr lang="en-US" altLang="ja-JP" dirty="0">
@@ -11024,7 +11136,7 @@
                   <a:srgbClr val="FFFFFF"/>
                 </a:solidFill>
               </a:rPr>
-              <a:t>構築に関する研究</a:t>
+              <a:t>深層学習の構築に関する研究</a:t>
             </a:r>
             <a:endParaRPr kumimoji="1" lang="ja-JP" altLang="en-US" dirty="0">
               <a:solidFill>
@@ -24710,7 +24822,7 @@
                     <a:p>
                       <a:pPr algn="ctr"/>
                       <a:r>
-                        <a:rPr lang="ja-JP" altLang="en-US" b="0">
+                        <a:rPr lang="ja-JP" altLang="en-US" b="0" dirty="0">
                           <a:latin typeface="Arial"/>
                         </a:rPr>
                         <a:t>o</a:t>
@@ -32749,6 +32861,137 @@
 </p:sld>
 </file>
 
+<file path=ppt/slides/slide65.xml><?xml version="1.0" encoding="utf-8"?>
+<p:sld xmlns:a="http://schemas.openxmlformats.org/drawingml/2006/main" xmlns:r="http://schemas.openxmlformats.org/officeDocument/2006/relationships" xmlns:p="http://schemas.openxmlformats.org/presentationml/2006/main">
+  <p:cSld>
+    <p:spTree>
+      <p:nvGrpSpPr>
+        <p:cNvPr id="1" name=""/>
+        <p:cNvGrpSpPr/>
+        <p:nvPr/>
+      </p:nvGrpSpPr>
+      <p:grpSpPr>
+        <a:xfrm>
+          <a:off x="0" y="0"/>
+          <a:ext cx="0" cy="0"/>
+          <a:chOff x="0" y="0"/>
+          <a:chExt cx="0" cy="0"/>
+        </a:xfrm>
+      </p:grpSpPr>
+      <p:sp>
+        <p:nvSpPr>
+          <p:cNvPr id="2" name="タイトル 1">
+            <a:extLst>
+              <a:ext uri="{FF2B5EF4-FFF2-40B4-BE49-F238E27FC236}">
+                <a16:creationId xmlns:a16="http://schemas.microsoft.com/office/drawing/2014/main" id="{C896B294-EA50-40BB-B1FB-37D1DB771D01}"/>
+              </a:ext>
+            </a:extLst>
+          </p:cNvPr>
+          <p:cNvSpPr>
+            <a:spLocks noGrp="1"/>
+          </p:cNvSpPr>
+          <p:nvPr>
+            <p:ph type="title"/>
+          </p:nvPr>
+        </p:nvSpPr>
+        <p:spPr/>
+        <p:txBody>
+          <a:bodyPr/>
+          <a:lstStyle/>
+          <a:p>
+            <a:r>
+              <a:rPr kumimoji="1" lang="ja-JP" altLang="en-US" dirty="0"/>
+              <a:t>方策勾配法</a:t>
+            </a:r>
+          </a:p>
+        </p:txBody>
+      </p:sp>
+      <p:sp>
+        <p:nvSpPr>
+          <p:cNvPr id="3" name="コンテンツ プレースホルダー 2">
+            <a:extLst>
+              <a:ext uri="{FF2B5EF4-FFF2-40B4-BE49-F238E27FC236}">
+                <a16:creationId xmlns:a16="http://schemas.microsoft.com/office/drawing/2014/main" id="{FAC95917-6CD0-4290-AD55-A228A49531F7}"/>
+              </a:ext>
+            </a:extLst>
+          </p:cNvPr>
+          <p:cNvSpPr>
+            <a:spLocks noGrp="1"/>
+          </p:cNvSpPr>
+          <p:nvPr>
+            <p:ph idx="1"/>
+          </p:nvPr>
+        </p:nvSpPr>
+        <p:spPr/>
+        <p:txBody>
+          <a:bodyPr>
+            <a:normAutofit/>
+          </a:bodyPr>
+          <a:lstStyle/>
+          <a:p>
+            <a:pPr marL="0" indent="0">
+              <a:buNone/>
+            </a:pPr>
+            <a:r>
+              <a:rPr lang="ja-JP" altLang="en-US" sz="2800" dirty="0"/>
+              <a:t>価値ではなく</a:t>
+            </a:r>
+            <a:endParaRPr lang="en-US" altLang="ja-JP" sz="2800" dirty="0"/>
+          </a:p>
+          <a:p>
+            <a:pPr marL="0" indent="0">
+              <a:buNone/>
+            </a:pPr>
+            <a:r>
+              <a:rPr lang="ja-JP" altLang="en-US" sz="2800" b="1" dirty="0"/>
+              <a:t>エージェントの方策（≒エージェントの行動確率）を最適化することが目的</a:t>
+            </a:r>
+            <a:endParaRPr kumimoji="1" lang="ja-JP" altLang="en-US" sz="2800" dirty="0"/>
+          </a:p>
+        </p:txBody>
+      </p:sp>
+      <p:sp>
+        <p:nvSpPr>
+          <p:cNvPr id="4" name="スライド番号プレースホルダー 3">
+            <a:extLst>
+              <a:ext uri="{FF2B5EF4-FFF2-40B4-BE49-F238E27FC236}">
+                <a16:creationId xmlns:a16="http://schemas.microsoft.com/office/drawing/2014/main" id="{056245E4-FCE7-4AA8-8F3D-0DB024E8785F}"/>
+              </a:ext>
+            </a:extLst>
+          </p:cNvPr>
+          <p:cNvSpPr>
+            <a:spLocks noGrp="1"/>
+          </p:cNvSpPr>
+          <p:nvPr>
+            <p:ph type="sldNum" sz="quarter" idx="12"/>
+          </p:nvPr>
+        </p:nvSpPr>
+        <p:spPr/>
+        <p:txBody>
+          <a:bodyPr/>
+          <a:lstStyle/>
+          <a:p>
+            <a:fld id="{C4CD1851-4943-4D29-B153-35642A3D04B9}" type="slidenum">
+              <a:rPr kumimoji="1" lang="ja-JP" altLang="en-US" smtClean="0"/>
+              <a:t>65</a:t>
+            </a:fld>
+            <a:endParaRPr kumimoji="1" lang="ja-JP" altLang="en-US" dirty="0"/>
+          </a:p>
+        </p:txBody>
+      </p:sp>
+    </p:spTree>
+    <p:extLst>
+      <p:ext uri="{BB962C8B-B14F-4D97-AF65-F5344CB8AC3E}">
+        <p14:creationId xmlns:p14="http://schemas.microsoft.com/office/powerpoint/2010/main" val="3526498448"/>
+      </p:ext>
+    </p:extLst>
+  </p:cSld>
+  <p:clrMapOvr>
+    <a:masterClrMapping/>
+  </p:clrMapOvr>
+</p:sld>
+</file>
+
 <file path=ppt/slides/slide7.xml><?xml version="1.0" encoding="utf-8"?>
 <p:sld xmlns:a="http://schemas.openxmlformats.org/drawingml/2006/main" xmlns:r="http://schemas.openxmlformats.org/officeDocument/2006/relationships" xmlns:p="http://schemas.openxmlformats.org/presentationml/2006/main">
   <p:cSld>

--- a/report/2020前期/2020_1st_sugiyama.pptx
+++ b/report/2020前期/2020_1st_sugiyama.pptx
@@ -16743,16 +16743,15 @@
           </p:cNvPicPr>
           <p:nvPr/>
         </p:nvPicPr>
-        <p:blipFill>
+        <p:blipFill rotWithShape="1">
           <a:blip r:embed="rId3"/>
-          <a:stretch>
-            <a:fillRect/>
-          </a:stretch>
+          <a:srcRect b="16280"/>
+          <a:stretch/>
         </p:blipFill>
         <p:spPr>
           <a:xfrm>
             <a:off x="850900" y="2889988"/>
-            <a:ext cx="7442199" cy="3654311"/>
+            <a:ext cx="7442199" cy="3059399"/>
           </a:xfrm>
           <a:prstGeom prst="rect">
             <a:avLst/>
@@ -19241,16 +19240,15 @@
           </p:cNvPicPr>
           <p:nvPr/>
         </p:nvPicPr>
-        <p:blipFill>
+        <p:blipFill rotWithShape="1">
           <a:blip r:embed="rId3"/>
-          <a:stretch>
-            <a:fillRect/>
-          </a:stretch>
+          <a:srcRect b="15144"/>
+          <a:stretch/>
         </p:blipFill>
         <p:spPr>
           <a:xfrm>
             <a:off x="4703233" y="4484543"/>
-            <a:ext cx="3815644" cy="1876312"/>
+            <a:ext cx="3815644" cy="1592166"/>
           </a:xfrm>
           <a:prstGeom prst="rect">
             <a:avLst/>
@@ -22404,16 +22402,15 @@
           </p:cNvPicPr>
           <p:nvPr/>
         </p:nvPicPr>
-        <p:blipFill>
+        <p:blipFill rotWithShape="1">
           <a:blip r:embed="rId3"/>
-          <a:stretch>
-            <a:fillRect/>
-          </a:stretch>
+          <a:srcRect b="15761"/>
+          <a:stretch/>
         </p:blipFill>
         <p:spPr>
           <a:xfrm>
             <a:off x="4703233" y="4484543"/>
-            <a:ext cx="3815644" cy="1876312"/>
+            <a:ext cx="3815644" cy="1580591"/>
           </a:xfrm>
           <a:prstGeom prst="rect">
             <a:avLst/>
